--- a/Snow Interview questions.pptx
+++ b/Snow Interview questions.pptx
@@ -13,7 +13,9 @@
     <p:sldId id="262" r:id="rId7"/>
     <p:sldId id="263" r:id="rId8"/>
     <p:sldId id="264" r:id="rId9"/>
-    <p:sldId id="265" r:id="rId10"/>
+    <p:sldId id="266" r:id="rId10"/>
+    <p:sldId id="268" r:id="rId11"/>
+    <p:sldId id="265" r:id="rId12"/>
   </p:sldIdLst>
   <p:sldSz cx="12192000" cy="6858000"/>
   <p:notesSz cx="6858000" cy="9144000"/>
@@ -112,6 +114,11 @@
       </a:defRPr>
     </a:lvl9pPr>
   </p:defaultTextStyle>
+  <p:extLst>
+    <p:ext uri="{EFAFB233-063F-42B5-8137-9DF3F51BA10A}">
+      <p15:sldGuideLst xmlns:p15="http://schemas.microsoft.com/office/powerpoint/2012/main"/>
+    </p:ext>
+  </p:extLst>
 </p:presentation>
 </file>
 
@@ -3691,6 +3698,645 @@
 </p:sld>
 </file>
 
+<file path=ppt/slides/slide10.xml><?xml version="1.0" encoding="utf-8"?>
+<p:sld xmlns:a="http://schemas.openxmlformats.org/drawingml/2006/main" xmlns:r="http://schemas.openxmlformats.org/officeDocument/2006/relationships" xmlns:p="http://schemas.openxmlformats.org/presentationml/2006/main">
+  <p:cSld>
+    <p:spTree>
+      <p:nvGrpSpPr>
+        <p:cNvPr id="1" name=""/>
+        <p:cNvGrpSpPr/>
+        <p:nvPr/>
+      </p:nvGrpSpPr>
+      <p:grpSpPr>
+        <a:xfrm>
+          <a:off x="0" y="0"/>
+          <a:ext cx="0" cy="0"/>
+          <a:chOff x="0" y="0"/>
+          <a:chExt cx="0" cy="0"/>
+        </a:xfrm>
+      </p:grpSpPr>
+      <p:sp>
+        <p:nvSpPr>
+          <p:cNvPr id="2" name="Title 1">
+            <a:extLst>
+              <a:ext uri="{FF2B5EF4-FFF2-40B4-BE49-F238E27FC236}">
+                <a16:creationId xmlns:a16="http://schemas.microsoft.com/office/drawing/2014/main" id="{6FEEDF9B-68F8-480F-A97F-D416F15EB051}"/>
+              </a:ext>
+            </a:extLst>
+          </p:cNvPr>
+          <p:cNvSpPr>
+            <a:spLocks noGrp="1"/>
+          </p:cNvSpPr>
+          <p:nvPr>
+            <p:ph type="title"/>
+          </p:nvPr>
+        </p:nvSpPr>
+        <p:spPr>
+          <a:xfrm>
+            <a:off x="838199" y="291090"/>
+            <a:ext cx="10515599" cy="932688"/>
+          </a:xfrm>
+        </p:spPr>
+        <p:txBody>
+          <a:bodyPr vert="horz" lIns="91440" tIns="45720" rIns="91440" bIns="45720" rtlCol="0" anchor="b">
+            <a:noAutofit/>
+          </a:bodyPr>
+          <a:lstStyle/>
+          <a:p>
+            <a:r>
+              <a:rPr lang="en-US" sz="4000" kern="1200" dirty="0">
+                <a:solidFill>
+                  <a:schemeClr val="tx1"/>
+                </a:solidFill>
+                <a:latin typeface="+mj-lt"/>
+                <a:ea typeface="+mj-ea"/>
+                <a:cs typeface="+mj-cs"/>
+              </a:rPr>
+              <a:t>Architecture for Continuous Data Load – NY Parking Data</a:t>
+            </a:r>
+          </a:p>
+        </p:txBody>
+      </p:sp>
+      <p:pic>
+        <p:nvPicPr>
+          <p:cNvPr id="6" name="Content Placeholder 5">
+            <a:extLst>
+              <a:ext uri="{FF2B5EF4-FFF2-40B4-BE49-F238E27FC236}">
+                <a16:creationId xmlns:a16="http://schemas.microsoft.com/office/drawing/2014/main" id="{51452D2F-CAE6-40F8-8CF5-47FF36893B8B}"/>
+              </a:ext>
+            </a:extLst>
+          </p:cNvPr>
+          <p:cNvPicPr>
+            <a:picLocks noGrp="1" noChangeAspect="1"/>
+          </p:cNvPicPr>
+          <p:nvPr>
+            <p:ph idx="1"/>
+          </p:nvPr>
+        </p:nvPicPr>
+        <p:blipFill>
+          <a:blip r:embed="rId2"/>
+          <a:stretch>
+            <a:fillRect/>
+          </a:stretch>
+        </p:blipFill>
+        <p:spPr>
+          <a:xfrm>
+            <a:off x="838200" y="2349101"/>
+            <a:ext cx="10515599" cy="3470146"/>
+          </a:xfrm>
+          <a:prstGeom prst="rect">
+            <a:avLst/>
+          </a:prstGeom>
+        </p:spPr>
+      </p:pic>
+    </p:spTree>
+    <p:extLst>
+      <p:ext uri="{BB962C8B-B14F-4D97-AF65-F5344CB8AC3E}">
+        <p14:creationId xmlns:p14="http://schemas.microsoft.com/office/powerpoint/2010/main" val="2596567665"/>
+      </p:ext>
+    </p:extLst>
+  </p:cSld>
+  <p:clrMapOvr>
+    <a:masterClrMapping/>
+  </p:clrMapOvr>
+</p:sld>
+</file>
+
+<file path=ppt/slides/slide11.xml><?xml version="1.0" encoding="utf-8"?>
+<p:sld xmlns:a="http://schemas.openxmlformats.org/drawingml/2006/main" xmlns:r="http://schemas.openxmlformats.org/officeDocument/2006/relationships" xmlns:p="http://schemas.openxmlformats.org/presentationml/2006/main">
+  <p:cSld>
+    <p:bg>
+      <p:bgPr>
+        <a:solidFill>
+          <a:schemeClr val="bg1"/>
+        </a:solidFill>
+        <a:effectLst/>
+      </p:bgPr>
+    </p:bg>
+    <p:spTree>
+      <p:nvGrpSpPr>
+        <p:cNvPr id="1" name=""/>
+        <p:cNvGrpSpPr/>
+        <p:nvPr/>
+      </p:nvGrpSpPr>
+      <p:grpSpPr>
+        <a:xfrm>
+          <a:off x="0" y="0"/>
+          <a:ext cx="0" cy="0"/>
+          <a:chOff x="0" y="0"/>
+          <a:chExt cx="0" cy="0"/>
+        </a:xfrm>
+      </p:grpSpPr>
+      <p:sp>
+        <p:nvSpPr>
+          <p:cNvPr id="8" name="Rectangle 7">
+            <a:extLst>
+              <a:ext uri="{FF2B5EF4-FFF2-40B4-BE49-F238E27FC236}">
+                <a16:creationId xmlns:a16="http://schemas.microsoft.com/office/drawing/2014/main" id="{B775CD93-9DF2-48CB-9F57-1BCA9A46C7FA}"/>
+              </a:ext>
+              <a:ext uri="{C183D7F6-B498-43B3-948B-1728B52AA6E4}">
+                <adec:decorative xmlns:adec="http://schemas.microsoft.com/office/drawing/2017/decorative" val="1"/>
+              </a:ext>
+            </a:extLst>
+          </p:cNvPr>
+          <p:cNvSpPr>
+            <a:spLocks noGrp="1" noRot="1" noChangeAspect="1" noMove="1" noResize="1" noEditPoints="1" noAdjustHandles="1" noChangeArrowheads="1" noChangeShapeType="1" noTextEdit="1"/>
+          </p:cNvSpPr>
+          <p:nvPr>
+            <p:extLst>
+              <p:ext uri="{386F3935-93C4-4BCD-93E2-E3B085C9AB24}">
+                <p16:designElem xmlns:p16="http://schemas.microsoft.com/office/powerpoint/2015/main" val="1"/>
+              </p:ext>
+            </p:extLst>
+          </p:nvPr>
+        </p:nvSpPr>
+        <p:spPr>
+          <a:xfrm>
+            <a:off x="466344" y="448055"/>
+            <a:ext cx="3414370" cy="3801257"/>
+          </a:xfrm>
+          <a:prstGeom prst="rect">
+            <a:avLst/>
+          </a:prstGeom>
+          <a:solidFill>
+            <a:srgbClr val="595959"/>
+          </a:solidFill>
+          <a:ln w="25400">
+            <a:noFill/>
+          </a:ln>
+        </p:spPr>
+        <p:style>
+          <a:lnRef idx="2">
+            <a:schemeClr val="accent1">
+              <a:shade val="50000"/>
+            </a:schemeClr>
+          </a:lnRef>
+          <a:fillRef idx="1">
+            <a:schemeClr val="accent1"/>
+          </a:fillRef>
+          <a:effectRef idx="0">
+            <a:schemeClr val="accent1"/>
+          </a:effectRef>
+          <a:fontRef idx="minor">
+            <a:schemeClr val="lt1"/>
+          </a:fontRef>
+        </p:style>
+        <p:txBody>
+          <a:bodyPr rtlCol="0" anchor="ctr"/>
+          <a:lstStyle/>
+          <a:p>
+            <a:pPr algn="ctr"/>
+            <a:endParaRPr lang="en-US">
+              <a:solidFill>
+                <a:srgbClr val="FFFFFF"/>
+              </a:solidFill>
+            </a:endParaRPr>
+          </a:p>
+        </p:txBody>
+      </p:sp>
+      <p:sp>
+        <p:nvSpPr>
+          <p:cNvPr id="2" name="Title 1">
+            <a:extLst>
+              <a:ext uri="{FF2B5EF4-FFF2-40B4-BE49-F238E27FC236}">
+                <a16:creationId xmlns:a16="http://schemas.microsoft.com/office/drawing/2014/main" id="{6FEEDF9B-68F8-480F-A97F-D416F15EB051}"/>
+              </a:ext>
+            </a:extLst>
+          </p:cNvPr>
+          <p:cNvSpPr>
+            <a:spLocks noGrp="1"/>
+          </p:cNvSpPr>
+          <p:nvPr>
+            <p:ph type="title"/>
+          </p:nvPr>
+        </p:nvSpPr>
+        <p:spPr>
+          <a:xfrm>
+            <a:off x="777240" y="731519"/>
+            <a:ext cx="2845191" cy="3237579"/>
+          </a:xfrm>
+        </p:spPr>
+        <p:txBody>
+          <a:bodyPr>
+            <a:normAutofit/>
+          </a:bodyPr>
+          <a:lstStyle/>
+          <a:p>
+            <a:r>
+              <a:rPr lang="en-US" sz="3800" dirty="0">
+                <a:solidFill>
+                  <a:srgbClr val="FFFFFF"/>
+                </a:solidFill>
+              </a:rPr>
+              <a:t>Direct Questions</a:t>
+            </a:r>
+            <a:endParaRPr lang="en-IN" sz="3800" dirty="0">
+              <a:solidFill>
+                <a:srgbClr val="FFFFFF"/>
+              </a:solidFill>
+            </a:endParaRPr>
+          </a:p>
+        </p:txBody>
+      </p:sp>
+      <p:sp>
+        <p:nvSpPr>
+          <p:cNvPr id="10" name="Rectangle 9">
+            <a:extLst>
+              <a:ext uri="{FF2B5EF4-FFF2-40B4-BE49-F238E27FC236}">
+                <a16:creationId xmlns:a16="http://schemas.microsoft.com/office/drawing/2014/main" id="{6166C6D1-23AC-49C4-BA07-238E4E9F8CEB}"/>
+              </a:ext>
+              <a:ext uri="{C183D7F6-B498-43B3-948B-1728B52AA6E4}">
+                <adec:decorative xmlns:adec="http://schemas.microsoft.com/office/drawing/2017/decorative" val="1"/>
+              </a:ext>
+            </a:extLst>
+          </p:cNvPr>
+          <p:cNvSpPr>
+            <a:spLocks noGrp="1" noRot="1" noChangeAspect="1" noMove="1" noResize="1" noEditPoints="1" noAdjustHandles="1" noChangeArrowheads="1" noChangeShapeType="1" noTextEdit="1"/>
+          </p:cNvSpPr>
+          <p:nvPr>
+            <p:extLst>
+              <p:ext uri="{386F3935-93C4-4BCD-93E2-E3B085C9AB24}">
+                <p16:designElem xmlns:p16="http://schemas.microsoft.com/office/powerpoint/2015/main" val="1"/>
+              </p:ext>
+            </p:extLst>
+          </p:nvPr>
+        </p:nvSpPr>
+        <p:spPr>
+          <a:xfrm>
+            <a:off x="466343" y="4419227"/>
+            <a:ext cx="3414369" cy="1979852"/>
+          </a:xfrm>
+          <a:prstGeom prst="rect">
+            <a:avLst/>
+          </a:prstGeom>
+          <a:solidFill>
+            <a:schemeClr val="accent1">
+              <a:alpha val="95000"/>
+            </a:schemeClr>
+          </a:solidFill>
+          <a:ln w="25400">
+            <a:noFill/>
+          </a:ln>
+        </p:spPr>
+        <p:style>
+          <a:lnRef idx="2">
+            <a:schemeClr val="accent1">
+              <a:shade val="50000"/>
+            </a:schemeClr>
+          </a:lnRef>
+          <a:fillRef idx="1">
+            <a:schemeClr val="accent1"/>
+          </a:fillRef>
+          <a:effectRef idx="0">
+            <a:schemeClr val="accent1"/>
+          </a:effectRef>
+          <a:fontRef idx="minor">
+            <a:schemeClr val="lt1"/>
+          </a:fontRef>
+        </p:style>
+        <p:txBody>
+          <a:bodyPr rtlCol="0" anchor="ctr"/>
+          <a:lstStyle/>
+          <a:p>
+            <a:pPr algn="ctr"/>
+            <a:endParaRPr lang="en-US" dirty="0">
+              <a:solidFill>
+                <a:srgbClr val="FFFFFF"/>
+              </a:solidFill>
+            </a:endParaRPr>
+          </a:p>
+        </p:txBody>
+      </p:sp>
+      <p:sp>
+        <p:nvSpPr>
+          <p:cNvPr id="12" name="Rectangle 11">
+            <a:extLst>
+              <a:ext uri="{FF2B5EF4-FFF2-40B4-BE49-F238E27FC236}">
+                <a16:creationId xmlns:a16="http://schemas.microsoft.com/office/drawing/2014/main" id="{1C091803-41C2-48E0-9228-5148460C7479}"/>
+              </a:ext>
+              <a:ext uri="{C183D7F6-B498-43B3-948B-1728B52AA6E4}">
+                <adec:decorative xmlns:adec="http://schemas.microsoft.com/office/drawing/2017/decorative" val="1"/>
+              </a:ext>
+            </a:extLst>
+          </p:cNvPr>
+          <p:cNvSpPr>
+            <a:spLocks noGrp="1" noRot="1" noChangeAspect="1" noMove="1" noResize="1" noEditPoints="1" noAdjustHandles="1" noChangeArrowheads="1" noChangeShapeType="1" noTextEdit="1"/>
+          </p:cNvSpPr>
+          <p:nvPr>
+            <p:extLst>
+              <p:ext uri="{386F3935-93C4-4BCD-93E2-E3B085C9AB24}">
+                <p16:designElem xmlns:p16="http://schemas.microsoft.com/office/powerpoint/2015/main" val="1"/>
+              </p:ext>
+            </p:extLst>
+          </p:nvPr>
+        </p:nvSpPr>
+        <p:spPr>
+          <a:xfrm>
+            <a:off x="4044603" y="448055"/>
+            <a:ext cx="7688475" cy="5952745"/>
+          </a:xfrm>
+          <a:prstGeom prst="rect">
+            <a:avLst/>
+          </a:prstGeom>
+          <a:solidFill>
+            <a:schemeClr val="tx1">
+              <a:lumMod val="50000"/>
+              <a:lumOff val="50000"/>
+              <a:alpha val="20000"/>
+            </a:schemeClr>
+          </a:solidFill>
+          <a:ln>
+            <a:noFill/>
+          </a:ln>
+        </p:spPr>
+        <p:style>
+          <a:lnRef idx="2">
+            <a:schemeClr val="accent1">
+              <a:shade val="50000"/>
+            </a:schemeClr>
+          </a:lnRef>
+          <a:fillRef idx="1">
+            <a:schemeClr val="accent1"/>
+          </a:fillRef>
+          <a:effectRef idx="0">
+            <a:schemeClr val="accent1"/>
+          </a:effectRef>
+          <a:fontRef idx="minor">
+            <a:schemeClr val="lt1"/>
+          </a:fontRef>
+        </p:style>
+        <p:txBody>
+          <a:bodyPr rtlCol="0" anchor="ctr"/>
+          <a:lstStyle/>
+          <a:p>
+            <a:pPr algn="ctr"/>
+            <a:endParaRPr lang="en-US"/>
+          </a:p>
+        </p:txBody>
+      </p:sp>
+      <p:sp>
+        <p:nvSpPr>
+          <p:cNvPr id="3" name="Content Placeholder 2">
+            <a:extLst>
+              <a:ext uri="{FF2B5EF4-FFF2-40B4-BE49-F238E27FC236}">
+                <a16:creationId xmlns:a16="http://schemas.microsoft.com/office/drawing/2014/main" id="{BF1E4F23-AFC6-4322-9624-B328B7E70B8A}"/>
+              </a:ext>
+            </a:extLst>
+          </p:cNvPr>
+          <p:cNvSpPr>
+            <a:spLocks noGrp="1"/>
+          </p:cNvSpPr>
+          <p:nvPr>
+            <p:ph idx="1"/>
+          </p:nvPr>
+        </p:nvSpPr>
+        <p:spPr>
+          <a:xfrm>
+            <a:off x="4379709" y="686862"/>
+            <a:ext cx="7037591" cy="5475129"/>
+          </a:xfrm>
+        </p:spPr>
+        <p:txBody>
+          <a:bodyPr anchor="ctr">
+            <a:normAutofit fontScale="70000" lnSpcReduction="20000"/>
+          </a:bodyPr>
+          <a:lstStyle/>
+          <a:p>
+            <a:pPr marL="0" indent="0">
+              <a:buNone/>
+            </a:pPr>
+            <a:endParaRPr lang="en-US" sz="1600" b="1" dirty="0"/>
+          </a:p>
+          <a:p>
+            <a:pPr marL="0" indent="0">
+              <a:buNone/>
+            </a:pPr>
+            <a:endParaRPr lang="en-US" sz="1600" b="1" dirty="0"/>
+          </a:p>
+          <a:p>
+            <a:pPr marL="0" indent="0">
+              <a:buNone/>
+            </a:pPr>
+            <a:r>
+              <a:rPr lang="en-US" sz="1600" b="1" dirty="0"/>
+              <a:t>Question 1</a:t>
+            </a:r>
+          </a:p>
+          <a:p>
+            <a:pPr marL="0" indent="0">
+              <a:buNone/>
+            </a:pPr>
+            <a:r>
+              <a:rPr lang="en-US" sz="1600" i="1" dirty="0"/>
+              <a:t>Provide some data migration architectures</a:t>
+            </a:r>
+            <a:endParaRPr lang="en-US" sz="1600" dirty="0"/>
+          </a:p>
+          <a:p>
+            <a:pPr marL="0" indent="0">
+              <a:buNone/>
+            </a:pPr>
+            <a:r>
+              <a:rPr lang="en-US" sz="1600" b="1" dirty="0"/>
+              <a:t>Question 2</a:t>
+            </a:r>
+          </a:p>
+          <a:p>
+            <a:pPr marL="0" indent="0">
+              <a:buNone/>
+            </a:pPr>
+            <a:r>
+              <a:rPr lang="en-US" sz="1600" i="1" dirty="0"/>
+              <a:t>How will you know if your query had some idle time to process? – Check the query output to see if you see a grey area in the query execution pattern. Grey means there was some idle time for the warehouse to resume.</a:t>
+            </a:r>
+          </a:p>
+          <a:p>
+            <a:pPr marL="0" indent="0">
+              <a:buNone/>
+            </a:pPr>
+            <a:r>
+              <a:rPr lang="en-US" sz="1600" b="1" dirty="0"/>
+              <a:t>Question 3</a:t>
+            </a:r>
+          </a:p>
+          <a:p>
+            <a:pPr marL="0" indent="0">
+              <a:buNone/>
+            </a:pPr>
+            <a:r>
+              <a:rPr lang="en-US" sz="1600" i="1" dirty="0"/>
+              <a:t>How will you know how many times a table in your database has been cloned. – </a:t>
+            </a:r>
+            <a:r>
+              <a:rPr lang="en-US" sz="1600" i="1" dirty="0" err="1"/>
+              <a:t>INFORMATION_SCHEMA.table_storage_metrics</a:t>
+            </a:r>
+            <a:r>
+              <a:rPr lang="en-US" sz="1600" i="1" dirty="0"/>
+              <a:t> and use ID and CLONE_GROUP_ID</a:t>
+            </a:r>
+          </a:p>
+          <a:p>
+            <a:pPr marL="0" indent="0">
+              <a:buNone/>
+            </a:pPr>
+            <a:r>
+              <a:rPr lang="en-US" sz="1600" b="1" dirty="0"/>
+              <a:t>Question 4</a:t>
+            </a:r>
+          </a:p>
+          <a:p>
+            <a:pPr marL="0" indent="0">
+              <a:buNone/>
+            </a:pPr>
+            <a:r>
+              <a:rPr lang="en-US" sz="1600" i="1" dirty="0"/>
+              <a:t>How will you do NULL handling and FILTER in Snowflake Stages? – FILTER not allowed but NULL handling can be done as </a:t>
+            </a:r>
+            <a:r>
+              <a:rPr lang="en-US" sz="1600" i="1" dirty="0" err="1"/>
+              <a:t>iff</a:t>
+            </a:r>
+            <a:r>
+              <a:rPr lang="en-US" sz="1600" i="1" dirty="0"/>
+              <a:t>($t1=‘’ ‘XXX’ $t1)</a:t>
+            </a:r>
+          </a:p>
+          <a:p>
+            <a:pPr marL="0" indent="0">
+              <a:buNone/>
+            </a:pPr>
+            <a:r>
+              <a:rPr lang="en-US" sz="1600" b="1" dirty="0"/>
+              <a:t>Question 5</a:t>
+            </a:r>
+          </a:p>
+          <a:p>
+            <a:pPr marL="0" indent="0">
+              <a:buNone/>
+            </a:pPr>
+            <a:r>
+              <a:rPr lang="en-US" sz="1600" i="1" dirty="0"/>
+              <a:t>During database will you migrate the primary keys and foreign keys to snowflake? Are they enforced? -&gt; Not enforced but from data modeling perspective good to have this relationship.</a:t>
+            </a:r>
+          </a:p>
+          <a:p>
+            <a:pPr marL="0" indent="0">
+              <a:buNone/>
+            </a:pPr>
+            <a:r>
+              <a:rPr lang="en-US" sz="1600" b="1" dirty="0"/>
+              <a:t>Question 6</a:t>
+            </a:r>
+          </a:p>
+          <a:p>
+            <a:pPr marL="0" indent="0">
+              <a:buNone/>
+            </a:pPr>
+            <a:r>
+              <a:rPr lang="en-US" sz="1600" i="1" dirty="0"/>
+              <a:t>What are the different types of costs in Snowflake? – Compute, Storage, Data Transfer Costs</a:t>
+            </a:r>
+          </a:p>
+          <a:p>
+            <a:pPr marL="0" indent="0">
+              <a:buNone/>
+            </a:pPr>
+            <a:r>
+              <a:rPr lang="en-US" sz="1600" b="1" dirty="0"/>
+              <a:t>Question 7</a:t>
+            </a:r>
+          </a:p>
+          <a:p>
+            <a:pPr marL="0" indent="0">
+              <a:buNone/>
+            </a:pPr>
+            <a:r>
+              <a:rPr lang="en-US" sz="1600" i="1" dirty="0"/>
+              <a:t>I have a Snowflake stage object with 10,000 records. Can I just view 10 records in it? Yes</a:t>
+            </a:r>
+          </a:p>
+          <a:p>
+            <a:pPr marL="0" indent="0">
+              <a:buNone/>
+            </a:pPr>
+            <a:r>
+              <a:rPr lang="en-US" sz="1600" b="1" dirty="0"/>
+              <a:t>Question 8</a:t>
+            </a:r>
+          </a:p>
+          <a:p>
+            <a:pPr marL="0" indent="0">
+              <a:buNone/>
+            </a:pPr>
+            <a:r>
+              <a:rPr lang="en-US" sz="1600" i="1" dirty="0"/>
+              <a:t>What will SELECT TOP 10 from Employee return? What happens when you run it second time?</a:t>
+            </a:r>
+          </a:p>
+          <a:p>
+            <a:pPr marL="0" indent="0">
+              <a:buNone/>
+            </a:pPr>
+            <a:r>
+              <a:rPr lang="en-US" sz="1600" b="1" dirty="0"/>
+              <a:t>Question 9</a:t>
+            </a:r>
+          </a:p>
+          <a:p>
+            <a:pPr marL="0" indent="0">
+              <a:buNone/>
+            </a:pPr>
+            <a:r>
+              <a:rPr lang="en-US" sz="1600" i="1" dirty="0"/>
+              <a:t>You have a scheduled task tree. Now you want to modify one child tasks? What should be your actions?</a:t>
+            </a:r>
+          </a:p>
+          <a:p>
+            <a:pPr marL="0" indent="0">
+              <a:buNone/>
+            </a:pPr>
+            <a:endParaRPr lang="en-US" sz="1600" i="1" dirty="0"/>
+          </a:p>
+          <a:p>
+            <a:pPr marL="0" indent="0">
+              <a:buNone/>
+            </a:pPr>
+            <a:endParaRPr lang="en-US" sz="1600" i="1" dirty="0"/>
+          </a:p>
+          <a:p>
+            <a:pPr marL="0" indent="0">
+              <a:buNone/>
+            </a:pPr>
+            <a:endParaRPr lang="en-US" sz="1600" i="1" dirty="0"/>
+          </a:p>
+          <a:p>
+            <a:pPr marL="0" indent="0">
+              <a:buNone/>
+            </a:pPr>
+            <a:endParaRPr lang="en-US" sz="1600" i="1" dirty="0"/>
+          </a:p>
+          <a:p>
+            <a:pPr marL="0" indent="0">
+              <a:buNone/>
+            </a:pPr>
+            <a:endParaRPr lang="en-US" sz="1600" i="1" dirty="0"/>
+          </a:p>
+        </p:txBody>
+      </p:sp>
+    </p:spTree>
+    <p:extLst>
+      <p:ext uri="{BB962C8B-B14F-4D97-AF65-F5344CB8AC3E}">
+        <p14:creationId xmlns:p14="http://schemas.microsoft.com/office/powerpoint/2010/main" val="818997857"/>
+      </p:ext>
+    </p:extLst>
+  </p:cSld>
+  <p:clrMapOvr>
+    <a:masterClrMapping/>
+  </p:clrMapOvr>
+</p:sld>
+</file>
+
 <file path=ppt/slides/slide2.xml><?xml version="1.0" encoding="utf-8"?>
 <p:sld xmlns:a="http://schemas.openxmlformats.org/drawingml/2006/main" xmlns:r="http://schemas.openxmlformats.org/officeDocument/2006/relationships" xmlns:p="http://schemas.openxmlformats.org/presentationml/2006/main">
   <p:cSld>
@@ -10314,12 +10960,12 @@
           <a:chExt cx="0" cy="0"/>
         </a:xfrm>
       </p:grpSpPr>
-      <p:sp>
+      <p:sp useBgFill="1">
         <p:nvSpPr>
           <p:cNvPr id="8" name="Rectangle 7">
             <a:extLst>
               <a:ext uri="{FF2B5EF4-FFF2-40B4-BE49-F238E27FC236}">
-                <a16:creationId xmlns:a16="http://schemas.microsoft.com/office/drawing/2014/main" id="{B775CD93-9DF2-48CB-9F57-1BCA9A46C7FA}"/>
+                <a16:creationId xmlns:a16="http://schemas.microsoft.com/office/drawing/2014/main" id="{907EF6B7-1338-4443-8C46-6A318D952DFD}"/>
               </a:ext>
               <a:ext uri="{C183D7F6-B498-43B3-948B-1728B52AA6E4}">
                 <adec:decorative xmlns:adec="http://schemas.microsoft.com/office/drawing/2017/decorative" val="1"/>
@@ -10339,16 +10985,13 @@
         </p:nvSpPr>
         <p:spPr>
           <a:xfrm>
-            <a:off x="466344" y="448055"/>
-            <a:ext cx="3414370" cy="3801257"/>
+            <a:off x="3048" y="0"/>
+            <a:ext cx="12188952" cy="6858000"/>
           </a:xfrm>
           <a:prstGeom prst="rect">
             <a:avLst/>
           </a:prstGeom>
-          <a:solidFill>
-            <a:srgbClr val="595959"/>
-          </a:solidFill>
-          <a:ln w="25400">
+          <a:ln>
             <a:noFill/>
           </a:ln>
         </p:spPr>
@@ -10373,64 +11016,16 @@
           <a:lstStyle/>
           <a:p>
             <a:pPr algn="ctr"/>
-            <a:endParaRPr lang="en-US">
-              <a:solidFill>
-                <a:srgbClr val="FFFFFF"/>
-              </a:solidFill>
-            </a:endParaRPr>
-          </a:p>
-        </p:txBody>
-      </p:sp>
-      <p:sp>
-        <p:nvSpPr>
-          <p:cNvPr id="2" name="Title 1">
-            <a:extLst>
-              <a:ext uri="{FF2B5EF4-FFF2-40B4-BE49-F238E27FC236}">
-                <a16:creationId xmlns:a16="http://schemas.microsoft.com/office/drawing/2014/main" id="{6FEEDF9B-68F8-480F-A97F-D416F15EB051}"/>
-              </a:ext>
-            </a:extLst>
-          </p:cNvPr>
-          <p:cNvSpPr>
-            <a:spLocks noGrp="1"/>
-          </p:cNvSpPr>
-          <p:nvPr>
-            <p:ph type="title"/>
-          </p:nvPr>
-        </p:nvSpPr>
-        <p:spPr>
-          <a:xfrm>
-            <a:off x="777240" y="731519"/>
-            <a:ext cx="2845191" cy="3237579"/>
-          </a:xfrm>
-        </p:spPr>
-        <p:txBody>
-          <a:bodyPr>
-            <a:normAutofit/>
-          </a:bodyPr>
-          <a:lstStyle/>
-          <a:p>
-            <a:r>
-              <a:rPr lang="en-US" sz="3800" dirty="0">
-                <a:solidFill>
-                  <a:srgbClr val="FFFFFF"/>
-                </a:solidFill>
-              </a:rPr>
-              <a:t>Direct Questions</a:t>
-            </a:r>
-            <a:endParaRPr lang="en-IN" sz="3800" dirty="0">
-              <a:solidFill>
-                <a:srgbClr val="FFFFFF"/>
-              </a:solidFill>
-            </a:endParaRPr>
-          </a:p>
-        </p:txBody>
-      </p:sp>
-      <p:sp>
-        <p:nvSpPr>
-          <p:cNvPr id="10" name="Rectangle 9">
-            <a:extLst>
-              <a:ext uri="{FF2B5EF4-FFF2-40B4-BE49-F238E27FC236}">
-                <a16:creationId xmlns:a16="http://schemas.microsoft.com/office/drawing/2014/main" id="{6166C6D1-23AC-49C4-BA07-238E4E9F8CEB}"/>
+            <a:endParaRPr lang="en-US"/>
+          </a:p>
+        </p:txBody>
+      </p:sp>
+      <p:sp>
+        <p:nvSpPr>
+          <p:cNvPr id="10" name="Freeform: Shape 9">
+            <a:extLst>
+              <a:ext uri="{FF2B5EF4-FFF2-40B4-BE49-F238E27FC236}">
+                <a16:creationId xmlns:a16="http://schemas.microsoft.com/office/drawing/2014/main" id="{DAAE4CDD-124C-4DCF-9584-B6033B545DD5}"/>
               </a:ext>
               <a:ext uri="{C183D7F6-B498-43B3-948B-1728B52AA6E4}">
                 <adec:decorative xmlns:adec="http://schemas.microsoft.com/office/drawing/2017/decorative" val="1"/>
@@ -10450,87 +11045,85 @@
         </p:nvSpPr>
         <p:spPr>
           <a:xfrm>
-            <a:off x="466343" y="4419227"/>
-            <a:ext cx="3414369" cy="1979852"/>
+            <a:off x="1" y="0"/>
+            <a:ext cx="4167271" cy="6858000"/>
           </a:xfrm>
-          <a:prstGeom prst="rect">
+          <a:custGeom>
             <a:avLst/>
-          </a:prstGeom>
+            <a:gdLst>
+              <a:gd name="connsiteX0" fmla="*/ 0 w 4167271"/>
+              <a:gd name="connsiteY0" fmla="*/ 0 h 6858000"/>
+              <a:gd name="connsiteX1" fmla="*/ 2259550 w 4167271"/>
+              <a:gd name="connsiteY1" fmla="*/ 0 h 6858000"/>
+              <a:gd name="connsiteX2" fmla="*/ 2387803 w 4167271"/>
+              <a:gd name="connsiteY2" fmla="*/ 82222 h 6858000"/>
+              <a:gd name="connsiteX3" fmla="*/ 4167271 w 4167271"/>
+              <a:gd name="connsiteY3" fmla="*/ 3429000 h 6858000"/>
+              <a:gd name="connsiteX4" fmla="*/ 2387803 w 4167271"/>
+              <a:gd name="connsiteY4" fmla="*/ 6775779 h 6858000"/>
+              <a:gd name="connsiteX5" fmla="*/ 2259550 w 4167271"/>
+              <a:gd name="connsiteY5" fmla="*/ 6858000 h 6858000"/>
+              <a:gd name="connsiteX6" fmla="*/ 0 w 4167271"/>
+              <a:gd name="connsiteY6" fmla="*/ 6858000 h 6858000"/>
+            </a:gdLst>
+            <a:ahLst/>
+            <a:cxnLst>
+              <a:cxn ang="0">
+                <a:pos x="connsiteX0" y="connsiteY0"/>
+              </a:cxn>
+              <a:cxn ang="0">
+                <a:pos x="connsiteX1" y="connsiteY1"/>
+              </a:cxn>
+              <a:cxn ang="0">
+                <a:pos x="connsiteX2" y="connsiteY2"/>
+              </a:cxn>
+              <a:cxn ang="0">
+                <a:pos x="connsiteX3" y="connsiteY3"/>
+              </a:cxn>
+              <a:cxn ang="0">
+                <a:pos x="connsiteX4" y="connsiteY4"/>
+              </a:cxn>
+              <a:cxn ang="0">
+                <a:pos x="connsiteX5" y="connsiteY5"/>
+              </a:cxn>
+              <a:cxn ang="0">
+                <a:pos x="connsiteX6" y="connsiteY6"/>
+              </a:cxn>
+            </a:cxnLst>
+            <a:rect l="l" t="t" r="r" b="b"/>
+            <a:pathLst>
+              <a:path w="4167271" h="6858000">
+                <a:moveTo>
+                  <a:pt x="0" y="0"/>
+                </a:moveTo>
+                <a:lnTo>
+                  <a:pt x="2259550" y="0"/>
+                </a:lnTo>
+                <a:lnTo>
+                  <a:pt x="2387803" y="82222"/>
+                </a:lnTo>
+                <a:cubicBezTo>
+                  <a:pt x="3461407" y="807534"/>
+                  <a:pt x="4167271" y="2035835"/>
+                  <a:pt x="4167271" y="3429000"/>
+                </a:cubicBezTo>
+                <a:cubicBezTo>
+                  <a:pt x="4167271" y="4822165"/>
+                  <a:pt x="3461407" y="6050467"/>
+                  <a:pt x="2387803" y="6775779"/>
+                </a:cubicBezTo>
+                <a:lnTo>
+                  <a:pt x="2259550" y="6858000"/>
+                </a:lnTo>
+                <a:lnTo>
+                  <a:pt x="0" y="6858000"/>
+                </a:lnTo>
+                <a:close/>
+              </a:path>
+            </a:pathLst>
+          </a:custGeom>
           <a:solidFill>
-            <a:schemeClr val="accent1">
-              <a:alpha val="95000"/>
-            </a:schemeClr>
-          </a:solidFill>
-          <a:ln w="25400">
-            <a:noFill/>
-          </a:ln>
-        </p:spPr>
-        <p:style>
-          <a:lnRef idx="2">
-            <a:schemeClr val="accent1">
-              <a:shade val="50000"/>
-            </a:schemeClr>
-          </a:lnRef>
-          <a:fillRef idx="1">
-            <a:schemeClr val="accent1"/>
-          </a:fillRef>
-          <a:effectRef idx="0">
-            <a:schemeClr val="accent1"/>
-          </a:effectRef>
-          <a:fontRef idx="minor">
-            <a:schemeClr val="lt1"/>
-          </a:fontRef>
-        </p:style>
-        <p:txBody>
-          <a:bodyPr rtlCol="0" anchor="ctr"/>
-          <a:lstStyle/>
-          <a:p>
-            <a:pPr algn="ctr"/>
-            <a:endParaRPr lang="en-US" dirty="0">
-              <a:solidFill>
-                <a:srgbClr val="FFFFFF"/>
-              </a:solidFill>
-            </a:endParaRPr>
-          </a:p>
-        </p:txBody>
-      </p:sp>
-      <p:sp>
-        <p:nvSpPr>
-          <p:cNvPr id="12" name="Rectangle 11">
-            <a:extLst>
-              <a:ext uri="{FF2B5EF4-FFF2-40B4-BE49-F238E27FC236}">
-                <a16:creationId xmlns:a16="http://schemas.microsoft.com/office/drawing/2014/main" id="{1C091803-41C2-48E0-9228-5148460C7479}"/>
-              </a:ext>
-              <a:ext uri="{C183D7F6-B498-43B3-948B-1728B52AA6E4}">
-                <adec:decorative xmlns:adec="http://schemas.microsoft.com/office/drawing/2017/decorative" val="1"/>
-              </a:ext>
-            </a:extLst>
-          </p:cNvPr>
-          <p:cNvSpPr>
-            <a:spLocks noGrp="1" noRot="1" noChangeAspect="1" noMove="1" noResize="1" noEditPoints="1" noAdjustHandles="1" noChangeArrowheads="1" noChangeShapeType="1" noTextEdit="1"/>
-          </p:cNvSpPr>
-          <p:nvPr>
-            <p:extLst>
-              <p:ext uri="{386F3935-93C4-4BCD-93E2-E3B085C9AB24}">
-                <p16:designElem xmlns:p16="http://schemas.microsoft.com/office/powerpoint/2015/main" val="1"/>
-              </p:ext>
-            </p:extLst>
-          </p:nvPr>
-        </p:nvSpPr>
-        <p:spPr>
-          <a:xfrm>
-            <a:off x="4044603" y="448055"/>
-            <a:ext cx="7688475" cy="5952745"/>
-          </a:xfrm>
-          <a:prstGeom prst="rect">
-            <a:avLst/>
-          </a:prstGeom>
-          <a:solidFill>
-            <a:schemeClr val="tx1">
-              <a:lumMod val="50000"/>
-              <a:lumOff val="50000"/>
-              <a:alpha val="20000"/>
-            </a:schemeClr>
+            <a:schemeClr val="accent2"/>
           </a:solidFill>
           <a:ln>
             <a:noFill/>
@@ -10563,10 +11156,10 @@
       </p:sp>
       <p:sp>
         <p:nvSpPr>
-          <p:cNvPr id="3" name="Content Placeholder 2">
-            <a:extLst>
-              <a:ext uri="{FF2B5EF4-FFF2-40B4-BE49-F238E27FC236}">
-                <a16:creationId xmlns:a16="http://schemas.microsoft.com/office/drawing/2014/main" id="{BF1E4F23-AFC6-4322-9624-B328B7E70B8A}"/>
+          <p:cNvPr id="2" name="Title 1">
+            <a:extLst>
+              <a:ext uri="{FF2B5EF4-FFF2-40B4-BE49-F238E27FC236}">
+                <a16:creationId xmlns:a16="http://schemas.microsoft.com/office/drawing/2014/main" id="{6FEEDF9B-68F8-480F-A97F-D416F15EB051}"/>
               </a:ext>
             </a:extLst>
           </p:cNvPr>
@@ -10574,39 +11167,150 @@
             <a:spLocks noGrp="1"/>
           </p:cNvSpPr>
           <p:nvPr>
-            <p:ph idx="1"/>
+            <p:ph type="title"/>
           </p:nvPr>
         </p:nvSpPr>
         <p:spPr>
           <a:xfrm>
-            <a:off x="4379709" y="686862"/>
-            <a:ext cx="7037591" cy="5475129"/>
+            <a:off x="686834" y="1153572"/>
+            <a:ext cx="3200400" cy="4461163"/>
           </a:xfrm>
         </p:spPr>
         <p:txBody>
+          <a:bodyPr>
+            <a:normAutofit/>
+          </a:bodyPr>
+          <a:lstStyle/>
+          <a:p>
+            <a:r>
+              <a:rPr lang="en-US">
+                <a:solidFill>
+                  <a:srgbClr val="FFFFFF"/>
+                </a:solidFill>
+              </a:rPr>
+              <a:t>Scenario Based Questions</a:t>
+            </a:r>
+            <a:endParaRPr lang="en-IN">
+              <a:solidFill>
+                <a:srgbClr val="FFFFFF"/>
+              </a:solidFill>
+            </a:endParaRPr>
+          </a:p>
+        </p:txBody>
+      </p:sp>
+      <p:sp>
+        <p:nvSpPr>
+          <p:cNvPr id="12" name="Arc 11">
+            <a:extLst>
+              <a:ext uri="{FF2B5EF4-FFF2-40B4-BE49-F238E27FC236}">
+                <a16:creationId xmlns:a16="http://schemas.microsoft.com/office/drawing/2014/main" id="{081E4A58-353D-44AE-B2FC-2A74E2E400F7}"/>
+              </a:ext>
+              <a:ext uri="{C183D7F6-B498-43B3-948B-1728B52AA6E4}">
+                <adec:decorative xmlns:adec="http://schemas.microsoft.com/office/drawing/2017/decorative" val="1"/>
+              </a:ext>
+            </a:extLst>
+          </p:cNvPr>
+          <p:cNvSpPr>
+            <a:spLocks noGrp="1" noRot="1" noChangeAspect="1" noMove="1" noResize="1" noEditPoints="1" noAdjustHandles="1" noChangeArrowheads="1" noChangeShapeType="1" noTextEdit="1"/>
+          </p:cNvSpPr>
+          <p:nvPr>
+            <p:extLst>
+              <p:ext uri="{386F3935-93C4-4BCD-93E2-E3B085C9AB24}">
+                <p16:designElem xmlns:p16="http://schemas.microsoft.com/office/powerpoint/2015/main" val="1"/>
+              </p:ext>
+            </p:extLst>
+          </p:nvPr>
+        </p:nvSpPr>
+        <p:spPr>
+          <a:xfrm flipV="1">
+            <a:off x="7550402" y="2455479"/>
+            <a:ext cx="4083433" cy="4083433"/>
+          </a:xfrm>
+          <a:prstGeom prst="arc">
+            <a:avLst/>
+          </a:prstGeom>
+          <a:ln w="127000" cap="rnd">
+            <a:solidFill>
+              <a:schemeClr val="accent4"/>
+            </a:solidFill>
+            <a:prstDash val="dash"/>
+          </a:ln>
+        </p:spPr>
+        <p:style>
+          <a:lnRef idx="1">
+            <a:schemeClr val="accent1"/>
+          </a:lnRef>
+          <a:fillRef idx="0">
+            <a:schemeClr val="accent1"/>
+          </a:fillRef>
+          <a:effectRef idx="0">
+            <a:schemeClr val="accent1"/>
+          </a:effectRef>
+          <a:fontRef idx="minor">
+            <a:schemeClr val="tx1"/>
+          </a:fontRef>
+        </p:style>
+        <p:txBody>
+          <a:bodyPr rtlCol="0" anchor="ctr"/>
+          <a:lstStyle/>
+          <a:p>
+            <a:pPr algn="ctr"/>
+            <a:endParaRPr lang="en-US" dirty="0"/>
+          </a:p>
+        </p:txBody>
+      </p:sp>
+      <p:sp>
+        <p:nvSpPr>
+          <p:cNvPr id="3" name="Content Placeholder 2">
+            <a:extLst>
+              <a:ext uri="{FF2B5EF4-FFF2-40B4-BE49-F238E27FC236}">
+                <a16:creationId xmlns:a16="http://schemas.microsoft.com/office/drawing/2014/main" id="{BF1E4F23-AFC6-4322-9624-B328B7E70B8A}"/>
+              </a:ext>
+            </a:extLst>
+          </p:cNvPr>
+          <p:cNvSpPr>
+            <a:spLocks noGrp="1"/>
+          </p:cNvSpPr>
+          <p:nvPr>
+            <p:ph idx="1"/>
+          </p:nvPr>
+        </p:nvSpPr>
+        <p:spPr>
+          <a:xfrm>
+            <a:off x="4447308" y="591344"/>
+            <a:ext cx="6906491" cy="5585619"/>
+          </a:xfrm>
+        </p:spPr>
+        <p:txBody>
           <a:bodyPr anchor="ctr">
-            <a:normAutofit fontScale="70000" lnSpcReduction="20000"/>
+            <a:normAutofit fontScale="92500" lnSpcReduction="10000"/>
           </a:bodyPr>
           <a:lstStyle/>
           <a:p>
             <a:pPr marL="0" indent="0">
               <a:buNone/>
             </a:pPr>
-            <a:endParaRPr lang="en-US" sz="1600" b="1" dirty="0"/>
+            <a:r>
+              <a:rPr lang="en-US" sz="2200" b="1" dirty="0"/>
+              <a:t>Question </a:t>
+            </a:r>
           </a:p>
           <a:p>
             <a:pPr marL="0" indent="0">
               <a:buNone/>
             </a:pPr>
-            <a:endParaRPr lang="en-US" sz="1600" b="1" dirty="0"/>
+            <a:r>
+              <a:rPr lang="en-US" sz="2200" dirty="0"/>
+              <a:t>Can you query data in AWS S3 directly from Snowflake</a:t>
+            </a:r>
           </a:p>
           <a:p>
             <a:pPr marL="0" indent="0">
               <a:buNone/>
             </a:pPr>
             <a:r>
-              <a:rPr lang="en-US" sz="1600" b="1" dirty="0"/>
-              <a:t>Question 1</a:t>
+              <a:rPr lang="en-US" sz="2200" b="1" dirty="0"/>
+              <a:t>Solution</a:t>
             </a:r>
           </a:p>
           <a:p>
@@ -10614,207 +11318,44 @@
               <a:buNone/>
             </a:pPr>
             <a:r>
-              <a:rPr lang="en-US" sz="1600" i="1" dirty="0"/>
-              <a:t>Provide some data migration architectures</a:t>
-            </a:r>
-            <a:endParaRPr lang="en-US" sz="1600" dirty="0"/>
+              <a:rPr lang="en-US" sz="2200" i="1" dirty="0"/>
+              <a:t>You cannot directly query data in AWS S3. However, you can create an external stage on top of AWS S3 through an integration object and view the data. Please note that the external stage is outside of snowflake environment. There is no storage cost incurred for the external stage. This allows us to query data in AWS S3 without actually loading the data in Snowflake. You can run JOIN, FILTER on the data in external stage. You can also create VIEW on top of the data in an external stage. If you want to access two S3 paths:</a:t>
+            </a:r>
+          </a:p>
+          <a:p>
+            <a:r>
+              <a:rPr lang="en-US" sz="2200" i="1" dirty="0"/>
+              <a:t>Alter the Integration Object to include both the paths in the STORAGE_ALLOWED_LOCATIONS parameter.</a:t>
+            </a:r>
+          </a:p>
+          <a:p>
+            <a:r>
+              <a:rPr lang="en-US" sz="2200" i="1" dirty="0"/>
+              <a:t>One Integration Object can be reused in multiple external stages</a:t>
+            </a:r>
+          </a:p>
+          <a:p>
+            <a:r>
+              <a:rPr lang="en-US" sz="2200" i="1" dirty="0"/>
+              <a:t>If you have files in .zip format in AWS S3, load into Snowflake will fail. So first unzip the files before </a:t>
+            </a:r>
+            <a:r>
+              <a:rPr lang="en-US" sz="2200" i="1"/>
+              <a:t>loading into AWS S3</a:t>
+            </a:r>
           </a:p>
           <a:p>
             <a:pPr marL="0" indent="0">
               <a:buNone/>
             </a:pPr>
-            <a:r>
-              <a:rPr lang="en-US" sz="1600" b="1" dirty="0"/>
-              <a:t>Question 2</a:t>
-            </a:r>
-          </a:p>
-          <a:p>
-            <a:pPr marL="0" indent="0">
-              <a:buNone/>
-            </a:pPr>
-            <a:r>
-              <a:rPr lang="en-US" sz="1600" i="1" dirty="0"/>
-              <a:t>How will you know if your query had some idle time to process? – Check the query output to see if you see a grey area in the query execution pattern. Grey means there was some idle time for the warehouse to resume.</a:t>
-            </a:r>
-          </a:p>
-          <a:p>
-            <a:pPr marL="0" indent="0">
-              <a:buNone/>
-            </a:pPr>
-            <a:r>
-              <a:rPr lang="en-US" sz="1600" b="1" dirty="0"/>
-              <a:t>Question 3</a:t>
-            </a:r>
-          </a:p>
-          <a:p>
-            <a:pPr marL="0" indent="0">
-              <a:buNone/>
-            </a:pPr>
-            <a:r>
-              <a:rPr lang="en-US" sz="1600" i="1" dirty="0"/>
-              <a:t>How will you know how many times a table in your database has been cloned. – </a:t>
-            </a:r>
-            <a:r>
-              <a:rPr lang="en-US" sz="1600" i="1" dirty="0" err="1"/>
-              <a:t>INFORMATION_SCHEMA.table_storage_metrics</a:t>
-            </a:r>
-            <a:r>
-              <a:rPr lang="en-US" sz="1600" i="1" dirty="0"/>
-              <a:t> and use ID and CLONE_GROUP_ID</a:t>
-            </a:r>
-          </a:p>
-          <a:p>
-            <a:pPr marL="0" indent="0">
-              <a:buNone/>
-            </a:pPr>
-            <a:r>
-              <a:rPr lang="en-US" sz="1600" b="1" dirty="0"/>
-              <a:t>Question 4</a:t>
-            </a:r>
-          </a:p>
-          <a:p>
-            <a:pPr marL="0" indent="0">
-              <a:buNone/>
-            </a:pPr>
-            <a:r>
-              <a:rPr lang="en-US" sz="1600" i="1" dirty="0"/>
-              <a:t>How will you do NULL handling and FILTER in Snowflake Stages? – FILTER not allowed but NULL handling can be done as </a:t>
-            </a:r>
-            <a:r>
-              <a:rPr lang="en-US" sz="1600" i="1" dirty="0" err="1"/>
-              <a:t>iff</a:t>
-            </a:r>
-            <a:r>
-              <a:rPr lang="en-US" sz="1600" i="1" dirty="0"/>
-              <a:t>($t1=‘’ ‘XXX’ $t1)</a:t>
-            </a:r>
-          </a:p>
-          <a:p>
-            <a:pPr marL="0" indent="0">
-              <a:buNone/>
-            </a:pPr>
-            <a:r>
-              <a:rPr lang="en-US" sz="1600" b="1" dirty="0"/>
-              <a:t>Question 5</a:t>
-            </a:r>
-          </a:p>
-          <a:p>
-            <a:pPr marL="0" indent="0">
-              <a:buNone/>
-            </a:pPr>
-            <a:r>
-              <a:rPr lang="en-US" sz="1600" i="1" dirty="0"/>
-              <a:t>During database will you migrate the primary keys and foreign keys to snowflake? Are they enforced? -&gt; Not enforced but from data modeling perspective good to have this relationship.</a:t>
-            </a:r>
-          </a:p>
-          <a:p>
-            <a:pPr marL="0" indent="0">
-              <a:buNone/>
-            </a:pPr>
-            <a:r>
-              <a:rPr lang="en-US" sz="1600" b="1" dirty="0"/>
-              <a:t>Question 6</a:t>
-            </a:r>
-          </a:p>
-          <a:p>
-            <a:pPr marL="0" indent="0">
-              <a:buNone/>
-            </a:pPr>
-            <a:r>
-              <a:rPr lang="en-US" sz="1600" i="1" dirty="0"/>
-              <a:t>What are the different types of costs in Snowflake? – Compute, Storage, Data Transfer Costs</a:t>
-            </a:r>
-          </a:p>
-          <a:p>
-            <a:pPr marL="0" indent="0">
-              <a:buNone/>
-            </a:pPr>
-            <a:r>
-              <a:rPr lang="en-US" sz="1600" b="1" dirty="0"/>
-              <a:t>Question 7</a:t>
-            </a:r>
-          </a:p>
-          <a:p>
-            <a:pPr marL="0" indent="0">
-              <a:buNone/>
-            </a:pPr>
-            <a:r>
-              <a:rPr lang="en-US" sz="1600" i="1" dirty="0"/>
-              <a:t>I have a Snowflake stage object with 10,000 records. Can I just view 10 records in it? Yes</a:t>
-            </a:r>
-          </a:p>
-          <a:p>
-            <a:pPr marL="0" indent="0">
-              <a:buNone/>
-            </a:pPr>
-            <a:r>
-              <a:rPr lang="en-US" sz="1600" b="1" dirty="0"/>
-              <a:t>Question 8</a:t>
-            </a:r>
-          </a:p>
-          <a:p>
-            <a:pPr marL="0" indent="0">
-              <a:buNone/>
-            </a:pPr>
-            <a:r>
-              <a:rPr lang="en-US" sz="1600" i="1" dirty="0"/>
-              <a:t>What will SELECT TOP 10 from Employee return? What happens when you run it second time?</a:t>
-            </a:r>
-          </a:p>
-          <a:p>
-            <a:pPr marL="0" indent="0">
-              <a:buNone/>
-            </a:pPr>
-            <a:r>
-              <a:rPr lang="en-US" sz="1600" b="1" dirty="0"/>
-              <a:t>Question 9</a:t>
-            </a:r>
-          </a:p>
-          <a:p>
-            <a:pPr marL="0" indent="0">
-              <a:buNone/>
-            </a:pPr>
-            <a:r>
-              <a:rPr lang="en-US" sz="1600" i="1" dirty="0"/>
-              <a:t>You have a scheduled task tree. Now you want to modify one child tasks? What should be your actions?</a:t>
-            </a:r>
-          </a:p>
-          <a:p>
-            <a:pPr marL="0" indent="0">
-              <a:buNone/>
-            </a:pPr>
-            <a:endParaRPr lang="en-US" sz="1600" i="1" dirty="0"/>
-          </a:p>
-          <a:p>
-            <a:pPr marL="0" indent="0">
-              <a:buNone/>
-            </a:pPr>
-            <a:endParaRPr lang="en-US" sz="1600" i="1" dirty="0"/>
-          </a:p>
-          <a:p>
-            <a:pPr marL="0" indent="0">
-              <a:buNone/>
-            </a:pPr>
-            <a:endParaRPr lang="en-US" sz="1600" i="1" dirty="0"/>
-          </a:p>
-          <a:p>
-            <a:pPr marL="0" indent="0">
-              <a:buNone/>
-            </a:pPr>
-            <a:endParaRPr lang="en-US" sz="1600" i="1" dirty="0"/>
-          </a:p>
-          <a:p>
-            <a:pPr marL="0" indent="0">
-              <a:buNone/>
-            </a:pPr>
-            <a:endParaRPr lang="en-US" sz="1600" i="1" dirty="0"/>
+            <a:endParaRPr lang="en-IN" sz="2200" dirty="0"/>
           </a:p>
         </p:txBody>
       </p:sp>
     </p:spTree>
     <p:extLst>
       <p:ext uri="{BB962C8B-B14F-4D97-AF65-F5344CB8AC3E}">
-        <p14:creationId xmlns:p14="http://schemas.microsoft.com/office/powerpoint/2010/main" val="818997857"/>
+        <p14:creationId xmlns:p14="http://schemas.microsoft.com/office/powerpoint/2010/main" val="4099470801"/>
       </p:ext>
     </p:extLst>
   </p:cSld>
